--- a/w41/BauerLinuxTrainingW41.pptx
+++ b/w41/BauerLinuxTrainingW41.pptx
@@ -268,7 +268,7 @@
           <a:p>
             <a:fld id="{88ED42A0-8A98-4341-864C-989021FA1BF4}" type="datetimeFigureOut">
               <a:rPr lang="en-GB" smtClean="0"/>
-              <a:t>13/10/2016</a:t>
+              <a:t>14/10/2016</a:t>
             </a:fld>
             <a:endParaRPr lang="en-GB"/>
           </a:p>
@@ -438,7 +438,7 @@
           <a:p>
             <a:fld id="{88ED42A0-8A98-4341-864C-989021FA1BF4}" type="datetimeFigureOut">
               <a:rPr lang="en-GB" smtClean="0"/>
-              <a:t>13/10/2016</a:t>
+              <a:t>14/10/2016</a:t>
             </a:fld>
             <a:endParaRPr lang="en-GB"/>
           </a:p>
@@ -618,7 +618,7 @@
           <a:p>
             <a:fld id="{88ED42A0-8A98-4341-864C-989021FA1BF4}" type="datetimeFigureOut">
               <a:rPr lang="en-GB" smtClean="0"/>
-              <a:t>13/10/2016</a:t>
+              <a:t>14/10/2016</a:t>
             </a:fld>
             <a:endParaRPr lang="en-GB"/>
           </a:p>
@@ -788,7 +788,7 @@
           <a:p>
             <a:fld id="{88ED42A0-8A98-4341-864C-989021FA1BF4}" type="datetimeFigureOut">
               <a:rPr lang="en-GB" smtClean="0"/>
-              <a:t>13/10/2016</a:t>
+              <a:t>14/10/2016</a:t>
             </a:fld>
             <a:endParaRPr lang="en-GB"/>
           </a:p>
@@ -1034,7 +1034,7 @@
           <a:p>
             <a:fld id="{88ED42A0-8A98-4341-864C-989021FA1BF4}" type="datetimeFigureOut">
               <a:rPr lang="en-GB" smtClean="0"/>
-              <a:t>13/10/2016</a:t>
+              <a:t>14/10/2016</a:t>
             </a:fld>
             <a:endParaRPr lang="en-GB"/>
           </a:p>
@@ -1266,7 +1266,7 @@
           <a:p>
             <a:fld id="{88ED42A0-8A98-4341-864C-989021FA1BF4}" type="datetimeFigureOut">
               <a:rPr lang="en-GB" smtClean="0"/>
-              <a:t>13/10/2016</a:t>
+              <a:t>14/10/2016</a:t>
             </a:fld>
             <a:endParaRPr lang="en-GB"/>
           </a:p>
@@ -1633,7 +1633,7 @@
           <a:p>
             <a:fld id="{88ED42A0-8A98-4341-864C-989021FA1BF4}" type="datetimeFigureOut">
               <a:rPr lang="en-GB" smtClean="0"/>
-              <a:t>13/10/2016</a:t>
+              <a:t>14/10/2016</a:t>
             </a:fld>
             <a:endParaRPr lang="en-GB"/>
           </a:p>
@@ -1751,7 +1751,7 @@
           <a:p>
             <a:fld id="{88ED42A0-8A98-4341-864C-989021FA1BF4}" type="datetimeFigureOut">
               <a:rPr lang="en-GB" smtClean="0"/>
-              <a:t>13/10/2016</a:t>
+              <a:t>14/10/2016</a:t>
             </a:fld>
             <a:endParaRPr lang="en-GB"/>
           </a:p>
@@ -1846,7 +1846,7 @@
           <a:p>
             <a:fld id="{88ED42A0-8A98-4341-864C-989021FA1BF4}" type="datetimeFigureOut">
               <a:rPr lang="en-GB" smtClean="0"/>
-              <a:t>13/10/2016</a:t>
+              <a:t>14/10/2016</a:t>
             </a:fld>
             <a:endParaRPr lang="en-GB"/>
           </a:p>
@@ -2123,7 +2123,7 @@
           <a:p>
             <a:fld id="{88ED42A0-8A98-4341-864C-989021FA1BF4}" type="datetimeFigureOut">
               <a:rPr lang="en-GB" smtClean="0"/>
-              <a:t>13/10/2016</a:t>
+              <a:t>14/10/2016</a:t>
             </a:fld>
             <a:endParaRPr lang="en-GB"/>
           </a:p>
@@ -2376,7 +2376,7 @@
           <a:p>
             <a:fld id="{88ED42A0-8A98-4341-864C-989021FA1BF4}" type="datetimeFigureOut">
               <a:rPr lang="en-GB" smtClean="0"/>
-              <a:t>13/10/2016</a:t>
+              <a:t>14/10/2016</a:t>
             </a:fld>
             <a:endParaRPr lang="en-GB"/>
           </a:p>
@@ -2589,7 +2589,7 @@
           <a:p>
             <a:fld id="{88ED42A0-8A98-4341-864C-989021FA1BF4}" type="datetimeFigureOut">
               <a:rPr lang="en-GB" smtClean="0"/>
-              <a:t>13/10/2016</a:t>
+              <a:t>14/10/2016</a:t>
             </a:fld>
             <a:endParaRPr lang="en-GB"/>
           </a:p>
@@ -9834,92 +9834,6 @@
                 <a:spcPts val="0"/>
               </a:spcBef>
             </a:pPr>
-            <a:r>
-              <a:rPr lang="en-GB" sz="1600" dirty="0">
-                <a:latin typeface="Consolas" panose="020B0609020204030204" pitchFamily="49" charset="0"/>
-              </a:rPr>
-              <a:t>[root@LXRHCSA01 </a:t>
-            </a:r>
-            <a:r>
-              <a:rPr lang="en-GB" sz="1600" dirty="0" err="1">
-                <a:latin typeface="Consolas" panose="020B0609020204030204" pitchFamily="49" charset="0"/>
-              </a:rPr>
-              <a:t>tftpboot</a:t>
-            </a:r>
-            <a:r>
-              <a:rPr lang="en-GB" sz="1600" dirty="0">
-                <a:latin typeface="Consolas" panose="020B0609020204030204" pitchFamily="49" charset="0"/>
-              </a:rPr>
-              <a:t>]# tree </a:t>
-            </a:r>
-            <a:r>
-              <a:rPr lang="en-GB" sz="1600" dirty="0" err="1">
-                <a:latin typeface="Consolas" panose="020B0609020204030204" pitchFamily="49" charset="0"/>
-              </a:rPr>
-              <a:t>pxeboot</a:t>
-            </a:r>
-            <a:r>
-              <a:rPr lang="en-GB" sz="1600" dirty="0">
-                <a:latin typeface="Consolas" panose="020B0609020204030204" pitchFamily="49" charset="0"/>
-              </a:rPr>
-              <a:t>/ </a:t>
-            </a:r>
-            <a:r>
-              <a:rPr lang="en-GB" sz="1600" dirty="0" err="1">
-                <a:latin typeface="Consolas" panose="020B0609020204030204" pitchFamily="49" charset="0"/>
-              </a:rPr>
-              <a:t>pxelinux.cfg</a:t>
-            </a:r>
-            <a:r>
-              <a:rPr lang="en-GB" sz="1600" dirty="0">
-                <a:latin typeface="Consolas" panose="020B0609020204030204" pitchFamily="49" charset="0"/>
-              </a:rPr>
-              <a:t>/</a:t>
-            </a:r>
-          </a:p>
-          <a:p>
-            <a:pPr algn="l">
-              <a:lnSpc>
-                <a:spcPct val="100000"/>
-              </a:lnSpc>
-              <a:spcBef>
-                <a:spcPts val="0"/>
-              </a:spcBef>
-            </a:pPr>
-            <a:r>
-              <a:rPr lang="en-GB" sz="1600" dirty="0" err="1">
-                <a:latin typeface="Consolas" panose="020B0609020204030204" pitchFamily="49" charset="0"/>
-              </a:rPr>
-              <a:t>pxeboot</a:t>
-            </a:r>
-            <a:r>
-              <a:rPr lang="en-GB" sz="1600" dirty="0">
-                <a:latin typeface="Consolas" panose="020B0609020204030204" pitchFamily="49" charset="0"/>
-              </a:rPr>
-              <a:t>/</a:t>
-            </a:r>
-          </a:p>
-          <a:p>
-            <a:pPr algn="l">
-              <a:lnSpc>
-                <a:spcPct val="100000"/>
-              </a:lnSpc>
-              <a:spcBef>
-                <a:spcPts val="0"/>
-              </a:spcBef>
-            </a:pPr>
-            <a:r>
-              <a:rPr lang="en-GB" sz="1600" dirty="0">
-                <a:latin typeface="Consolas" panose="020B0609020204030204" pitchFamily="49" charset="0"/>
-              </a:rPr>
-              <a:t>├── </a:t>
-            </a:r>
-            <a:r>
-              <a:rPr lang="en-GB" sz="1600" dirty="0" err="1">
-                <a:latin typeface="Consolas" panose="020B0609020204030204" pitchFamily="49" charset="0"/>
-              </a:rPr>
-              <a:t>initrd.img</a:t>
-            </a:r>
             <a:endParaRPr lang="en-GB" sz="1600" dirty="0">
               <a:latin typeface="Consolas" panose="020B0609020204030204" pitchFamily="49" charset="0"/>
             </a:endParaRPr>
@@ -9937,6 +9851,108 @@
               <a:rPr lang="en-GB" sz="1600" dirty="0">
                 <a:latin typeface="Consolas" panose="020B0609020204030204" pitchFamily="49" charset="0"/>
               </a:rPr>
+              <a:t>[root@LXRHCSA01 </a:t>
+            </a:r>
+            <a:r>
+              <a:rPr lang="en-GB" sz="1600" dirty="0" err="1">
+                <a:latin typeface="Consolas" panose="020B0609020204030204" pitchFamily="49" charset="0"/>
+              </a:rPr>
+              <a:t>tftpboot</a:t>
+            </a:r>
+            <a:r>
+              <a:rPr lang="en-GB" sz="1600" dirty="0">
+                <a:latin typeface="Consolas" panose="020B0609020204030204" pitchFamily="49" charset="0"/>
+              </a:rPr>
+              <a:t>]# tree </a:t>
+            </a:r>
+            <a:r>
+              <a:rPr lang="en-GB" sz="1600" dirty="0" err="1">
+                <a:latin typeface="Consolas" panose="020B0609020204030204" pitchFamily="49" charset="0"/>
+              </a:rPr>
+              <a:t>pxeboot</a:t>
+            </a:r>
+            <a:r>
+              <a:rPr lang="en-GB" sz="1600" dirty="0">
+                <a:latin typeface="Consolas" panose="020B0609020204030204" pitchFamily="49" charset="0"/>
+              </a:rPr>
+              <a:t>/ </a:t>
+            </a:r>
+            <a:r>
+              <a:rPr lang="en-GB" sz="1600" dirty="0" err="1">
+                <a:latin typeface="Consolas" panose="020B0609020204030204" pitchFamily="49" charset="0"/>
+              </a:rPr>
+              <a:t>pxelinux.cfg</a:t>
+            </a:r>
+            <a:r>
+              <a:rPr lang="en-GB" sz="1600" dirty="0">
+                <a:latin typeface="Consolas" panose="020B0609020204030204" pitchFamily="49" charset="0"/>
+              </a:rPr>
+              <a:t>/</a:t>
+            </a:r>
+          </a:p>
+          <a:p>
+            <a:pPr algn="l">
+              <a:lnSpc>
+                <a:spcPct val="100000"/>
+              </a:lnSpc>
+              <a:spcBef>
+                <a:spcPts val="0"/>
+              </a:spcBef>
+            </a:pPr>
+            <a:r>
+              <a:rPr lang="en-GB" sz="1600" dirty="0" err="1">
+                <a:latin typeface="Consolas" panose="020B0609020204030204" pitchFamily="49" charset="0"/>
+              </a:rPr>
+              <a:t>pxeboot</a:t>
+            </a:r>
+            <a:r>
+              <a:rPr lang="en-GB" sz="1600" dirty="0">
+                <a:latin typeface="Consolas" panose="020B0609020204030204" pitchFamily="49" charset="0"/>
+              </a:rPr>
+              <a:t>/</a:t>
+            </a:r>
+          </a:p>
+          <a:p>
+            <a:pPr algn="l">
+              <a:lnSpc>
+                <a:spcPct val="100000"/>
+              </a:lnSpc>
+              <a:spcBef>
+                <a:spcPts val="0"/>
+              </a:spcBef>
+            </a:pPr>
+            <a:r>
+              <a:rPr lang="en-GB" sz="1600" dirty="0">
+                <a:latin typeface="Consolas" panose="020B0609020204030204" pitchFamily="49" charset="0"/>
+              </a:rPr>
+              <a:t>├── </a:t>
+            </a:r>
+            <a:r>
+              <a:rPr lang="en-GB" sz="1600" dirty="0" err="1">
+                <a:latin typeface="Consolas" panose="020B0609020204030204" pitchFamily="49" charset="0"/>
+              </a:rPr>
+              <a:t>initrd.img</a:t>
+            </a:r>
+            <a:r>
+              <a:rPr lang="en-GB" sz="1600" dirty="0">
+                <a:latin typeface="Consolas" panose="020B0609020204030204" pitchFamily="49" charset="0"/>
+              </a:rPr>
+              <a:t>		# Kernel modules</a:t>
+            </a:r>
+          </a:p>
+          <a:p>
+            <a:pPr algn="l">
+              <a:lnSpc>
+                <a:spcPct val="100000"/>
+              </a:lnSpc>
+              <a:spcBef>
+                <a:spcPts val="0"/>
+              </a:spcBef>
+            </a:pPr>
+            <a:r>
+              <a:rPr lang="en-GB" sz="1600" dirty="0">
+                <a:latin typeface="Consolas" panose="020B0609020204030204" pitchFamily="49" charset="0"/>
+              </a:rPr>
               <a:t>├── TRANS.TBL</a:t>
             </a:r>
           </a:p>
@@ -9986,9 +10002,12 @@
               </a:rPr>
               <a:t>vmlinuz</a:t>
             </a:r>
-            <a:endParaRPr lang="en-GB" sz="1600" dirty="0">
-              <a:latin typeface="Consolas" panose="020B0609020204030204" pitchFamily="49" charset="0"/>
-            </a:endParaRPr>
+            <a:r>
+              <a:rPr lang="en-GB" sz="1600" dirty="0">
+                <a:latin typeface="Consolas" panose="020B0609020204030204" pitchFamily="49" charset="0"/>
+              </a:rPr>
+              <a:t>		# Linux kernel</a:t>
+            </a:r>
           </a:p>
           <a:p>
             <a:pPr algn="l">
@@ -10025,7 +10044,43 @@
               <a:rPr lang="en-GB" sz="1600" dirty="0">
                 <a:latin typeface="Consolas" panose="020B0609020204030204" pitchFamily="49" charset="0"/>
               </a:rPr>
-              <a:t>└── default</a:t>
+              <a:t>└── default		# </a:t>
+            </a:r>
+            <a:r>
+              <a:rPr lang="en-GB" sz="1600" dirty="0" err="1">
+                <a:latin typeface="Consolas" panose="020B0609020204030204" pitchFamily="49" charset="0"/>
+              </a:rPr>
+              <a:t>isolinux</a:t>
+            </a:r>
+            <a:r>
+              <a:rPr lang="en-GB" sz="1600" dirty="0">
+                <a:latin typeface="Consolas" panose="020B0609020204030204" pitchFamily="49" charset="0"/>
+              </a:rPr>
+              <a:t> </a:t>
+            </a:r>
+            <a:r>
+              <a:rPr lang="en-GB" sz="1600" dirty="0" err="1">
+                <a:latin typeface="Consolas" panose="020B0609020204030204" pitchFamily="49" charset="0"/>
+              </a:rPr>
+              <a:t>pxe</a:t>
+            </a:r>
+            <a:r>
+              <a:rPr lang="en-GB" sz="1600" dirty="0">
+                <a:latin typeface="Consolas" panose="020B0609020204030204" pitchFamily="49" charset="0"/>
+              </a:rPr>
+              <a:t> </a:t>
+            </a:r>
+            <a:r>
+              <a:rPr lang="en-GB" sz="1600" dirty="0" err="1">
+                <a:latin typeface="Consolas" panose="020B0609020204030204" pitchFamily="49" charset="0"/>
+              </a:rPr>
+              <a:t>config</a:t>
+            </a:r>
+            <a:r>
+              <a:rPr lang="en-GB" sz="1600" dirty="0">
+                <a:latin typeface="Consolas" panose="020B0609020204030204" pitchFamily="49" charset="0"/>
+              </a:rPr>
+              <a:t> file</a:t>
             </a:r>
           </a:p>
           <a:p>
